--- a/yonergeler/part 3 instructions.pptx
+++ b/yonergeler/part 3 instructions.pptx
@@ -237,7 +237,7 @@
           <a:p>
             <a:fld id="{BC17B131-F5DB-48B6-9CA8-EF77E6FC8058}" type="datetimeFigureOut">
               <a:rPr lang="en-US" smtClean="0"/>
-              <a:t>12/18/2020</a:t>
+              <a:t>12/19/2020</a:t>
             </a:fld>
             <a:endParaRPr lang="en-US"/>
           </a:p>
@@ -651,7 +651,7 @@
           <a:p>
             <a:fld id="{0E6AC836-B1CF-4DD7-B1E9-F449F225675C}" type="datetime1">
               <a:rPr lang="en-US" smtClean="0"/>
-              <a:t>12/18/2020</a:t>
+              <a:t>12/19/2020</a:t>
             </a:fld>
             <a:endParaRPr lang="en-US"/>
           </a:p>
@@ -849,7 +849,7 @@
           <a:p>
             <a:fld id="{84162F30-CA61-4700-868D-17D5A3EA9AB9}" type="datetime1">
               <a:rPr lang="en-US" smtClean="0"/>
-              <a:t>12/18/2020</a:t>
+              <a:t>12/19/2020</a:t>
             </a:fld>
             <a:endParaRPr lang="en-US"/>
           </a:p>
@@ -1057,7 +1057,7 @@
           <a:p>
             <a:fld id="{01F571B7-68B6-4423-B380-2582CB4BFE22}" type="datetime1">
               <a:rPr lang="en-US" smtClean="0"/>
-              <a:t>12/18/2020</a:t>
+              <a:t>12/19/2020</a:t>
             </a:fld>
             <a:endParaRPr lang="en-US"/>
           </a:p>
@@ -1255,7 +1255,7 @@
           <a:p>
             <a:fld id="{918542E8-E72C-4167-905C-E8A6D21D9665}" type="datetime1">
               <a:rPr lang="en-US" smtClean="0"/>
-              <a:t>12/18/2020</a:t>
+              <a:t>12/19/2020</a:t>
             </a:fld>
             <a:endParaRPr lang="en-US"/>
           </a:p>
@@ -1530,7 +1530,7 @@
           <a:p>
             <a:fld id="{01F14667-69A9-4D52-8FF4-BA0316E326D6}" type="datetime1">
               <a:rPr lang="en-US" smtClean="0"/>
-              <a:t>12/18/2020</a:t>
+              <a:t>12/19/2020</a:t>
             </a:fld>
             <a:endParaRPr lang="en-US"/>
           </a:p>
@@ -1795,7 +1795,7 @@
           <a:p>
             <a:fld id="{C41A98D1-49D2-40E6-9589-2E1A657C24D0}" type="datetime1">
               <a:rPr lang="en-US" smtClean="0"/>
-              <a:t>12/18/2020</a:t>
+              <a:t>12/19/2020</a:t>
             </a:fld>
             <a:endParaRPr lang="en-US"/>
           </a:p>
@@ -2207,7 +2207,7 @@
           <a:p>
             <a:fld id="{3306A7FB-039D-4A44-849B-E77EF0F9C486}" type="datetime1">
               <a:rPr lang="en-US" smtClean="0"/>
-              <a:t>12/18/2020</a:t>
+              <a:t>12/19/2020</a:t>
             </a:fld>
             <a:endParaRPr lang="en-US"/>
           </a:p>
@@ -2348,7 +2348,7 @@
           <a:p>
             <a:fld id="{87D51EA9-A1F8-4D5E-A780-653E2F8FC7D2}" type="datetime1">
               <a:rPr lang="en-US" smtClean="0"/>
-              <a:t>12/18/2020</a:t>
+              <a:t>12/19/2020</a:t>
             </a:fld>
             <a:endParaRPr lang="en-US"/>
           </a:p>
@@ -2461,7 +2461,7 @@
           <a:p>
             <a:fld id="{9E29ADD1-0819-4A43-8E4D-22C1AD1D1A5E}" type="datetime1">
               <a:rPr lang="en-US" smtClean="0"/>
-              <a:t>12/18/2020</a:t>
+              <a:t>12/19/2020</a:t>
             </a:fld>
             <a:endParaRPr lang="en-US"/>
           </a:p>
@@ -2772,7 +2772,7 @@
           <a:p>
             <a:fld id="{208BAEBE-8A8A-41D0-B459-86F9D49385FF}" type="datetime1">
               <a:rPr lang="en-US" smtClean="0"/>
-              <a:t>12/18/2020</a:t>
+              <a:t>12/19/2020</a:t>
             </a:fld>
             <a:endParaRPr lang="en-US"/>
           </a:p>
@@ -3060,7 +3060,7 @@
           <a:p>
             <a:fld id="{F3808C81-2296-4BD3-9C84-DC9CE241F72F}" type="datetime1">
               <a:rPr lang="en-US" smtClean="0"/>
-              <a:t>12/18/2020</a:t>
+              <a:t>12/19/2020</a:t>
             </a:fld>
             <a:endParaRPr lang="en-US"/>
           </a:p>
@@ -3301,7 +3301,7 @@
           <a:p>
             <a:fld id="{7B08BFBD-3D2F-408C-AAB2-D6FE89F751C1}" type="datetime1">
               <a:rPr lang="en-US" smtClean="0"/>
-              <a:t>12/18/2020</a:t>
+              <a:t>12/19/2020</a:t>
             </a:fld>
             <a:endParaRPr lang="en-US"/>
           </a:p>
@@ -3748,7 +3748,27 @@
           <a:lstStyle/>
           <a:p>
             <a:r>
-              <a:rPr lang="tr-TR" sz="3200" b="1" dirty="0">
+              <a:rPr lang="tr-TR" sz="2800" dirty="0"/>
+              <a:t>Zoom ‘</a:t>
+            </a:r>
+            <a:r>
+              <a:rPr lang="tr-TR" sz="2800" dirty="0" err="1"/>
+              <a:t>chat</a:t>
+            </a:r>
+            <a:r>
+              <a:rPr lang="tr-TR" sz="2800" dirty="0"/>
+              <a:t>’ yönergeler okunduktan sonra açılacaktır.</a:t>
+            </a:r>
+            <a:endParaRPr lang="tr-TR" sz="2800" b="1" dirty="0">
+              <a:solidFill>
+                <a:srgbClr val="FF0000"/>
+              </a:solidFill>
+              <a:latin typeface="+mn-lt"/>
+            </a:endParaRPr>
+          </a:p>
+          <a:p>
+            <a:r>
+              <a:rPr lang="tr-TR" sz="2800" b="1" dirty="0">
                 <a:solidFill>
                   <a:srgbClr val="FF0000"/>
                 </a:solidFill>
@@ -3757,7 +3777,7 @@
               <a:t>Zoom üzerinden sizlere kişiye özgü oluşturulmuş deney linkleri gönderiliyor. Deney linkinizi lütfen kimseyle paylaşmayınız. Deney linki </a:t>
             </a:r>
             <a:r>
-              <a:rPr lang="tr-TR" sz="3200" b="1" dirty="0">
+              <a:rPr lang="tr-TR" sz="2800" b="1" dirty="0">
                 <a:solidFill>
                   <a:srgbClr val="00B0F0"/>
                 </a:solidFill>
@@ -3773,7 +3793,7 @@
               <a:t>https://belis.herokuapp.com</a:t>
             </a:r>
             <a:r>
-              <a:rPr lang="tr-TR" sz="3200" b="1" dirty="0">
+              <a:rPr lang="tr-TR" sz="2800" b="1" dirty="0">
                 <a:solidFill>
                   <a:srgbClr val="00B0F0"/>
                 </a:solidFill>
@@ -3782,7 +3802,7 @@
               <a:t> </a:t>
             </a:r>
             <a:r>
-              <a:rPr lang="tr-TR" sz="3200" b="1" dirty="0">
+              <a:rPr lang="tr-TR" sz="2800" b="1" dirty="0">
                 <a:solidFill>
                   <a:srgbClr val="FF0000"/>
                 </a:solidFill>
@@ -13966,8 +13986,8 @@
           </a:p>
         </p:txBody>
       </p:sp>
-      <mc:AlternateContent xmlns:mc="http://schemas.openxmlformats.org/markup-compatibility/2006">
-        <mc:Choice xmlns:a14="http://schemas.microsoft.com/office/drawing/2010/main" Requires="a14">
+      <mc:AlternateContent xmlns:mc="http://schemas.openxmlformats.org/markup-compatibility/2006" xmlns:a14="http://schemas.microsoft.com/office/drawing/2010/main">
+        <mc:Choice Requires="a14">
           <p:sp>
             <p:nvSpPr>
               <p:cNvPr id="3" name="Content Placeholder 2">
@@ -14120,7 +14140,7 @@
             </p:txBody>
           </p:sp>
         </mc:Choice>
-        <mc:Fallback>
+        <mc:Fallback xmlns="">
           <p:sp>
             <p:nvSpPr>
               <p:cNvPr id="3" name="Content Placeholder 2">
